--- a/doc/MobileVit_TensorRT优化.pptx
+++ b/doc/MobileVit_TensorRT优化.pptx
@@ -7918,9 +7918,17 @@
                             <a:srgbClr val="00B050"/>
                           </a:solidFill>
                         </a:rPr>
-                        <a:t>0.665</a:t>
-                      </a:r>
-                      <a:endParaRPr>
+                        <a:t>0.66</a:t>
+                      </a:r>
+                      <a:r>
+                        <a:rPr lang="en-US">
+                          <a:solidFill>
+                            <a:srgbClr val="00B050"/>
+                          </a:solidFill>
+                        </a:rPr>
+                        <a:t>4</a:t>
+                      </a:r>
+                      <a:endParaRPr lang="en-US">
                         <a:solidFill>
                           <a:srgbClr val="00B050"/>
                         </a:solidFill>
@@ -8032,17 +8040,17 @@
                             <a:srgbClr val="00B050"/>
                           </a:solidFill>
                         </a:rPr>
-                        <a:t>0.99</a:t>
-                      </a:r>
-                      <a:r>
-                        <a:rPr lang="en-US" altLang="zh-CN">
+                        <a:t>0.9</a:t>
+                      </a:r>
+                      <a:r>
+                        <a:rPr lang="en-US">
                           <a:solidFill>
                             <a:srgbClr val="00B050"/>
                           </a:solidFill>
                         </a:rPr>
-                        <a:t>4</a:t>
-                      </a:r>
-                      <a:endParaRPr lang="en-US" altLang="zh-CN">
+                        <a:t>71</a:t>
+                      </a:r>
+                      <a:endParaRPr lang="en-US">
                         <a:solidFill>
                           <a:srgbClr val="00B050"/>
                         </a:solidFill>
@@ -8162,7 +8170,7 @@
                             <a:srgbClr val="00B050"/>
                           </a:solidFill>
                         </a:rPr>
-                        <a:t>791</a:t>
+                        <a:t>774</a:t>
                       </a:r>
                       <a:endParaRPr lang="en-US">
                         <a:solidFill>
@@ -8533,7 +8541,7 @@
                             <a:srgbClr val="00B050"/>
                           </a:solidFill>
                         </a:rPr>
-                        <a:t>6</a:t>
+                        <a:t>36</a:t>
                       </a:r>
                       <a:endParaRPr lang="en-US" altLang="zh-CN">
                         <a:solidFill>
@@ -8567,7 +8575,7 @@
                           </a:solidFill>
                           <a:sym typeface="+mn-ea"/>
                         </a:rPr>
-                        <a:t>056</a:t>
+                        <a:t>1</a:t>
                       </a:r>
                       <a:endParaRPr lang="en-US">
                         <a:solidFill>

--- a/doc/MobileVit_TensorRT优化.pptx
+++ b/doc/MobileVit_TensorRT优化.pptx
@@ -28,8 +28,9 @@
     <p:sldId id="316" r:id="rId21"/>
     <p:sldId id="340" r:id="rId22"/>
     <p:sldId id="308" r:id="rId23"/>
-    <p:sldId id="305" r:id="rId24"/>
-    <p:sldId id="271" r:id="rId25"/>
+    <p:sldId id="345" r:id="rId24"/>
+    <p:sldId id="305" r:id="rId25"/>
+    <p:sldId id="271" r:id="rId26"/>
   </p:sldIdLst>
   <p:sldSz cx="12192000" cy="6858000"/>
   <p:notesSz cx="7103745" cy="10234295"/>
@@ -1168,6 +1169,60 @@
         <p:spPr/>
         <p:txBody>
           <a:bodyPr/>
+          <a:p>
+            <a:endParaRPr lang="zh-CN" altLang="en-US"/>
+          </a:p>
+        </p:txBody>
+      </p:sp>
+    </p:spTree>
+  </p:cSld>
+  <p:clrMapOvr>
+    <a:masterClrMapping/>
+  </p:clrMapOvr>
+</p:notes>
+</file>
+
+<file path=ppt/notesSlides/notesSlide9.xml><?xml version="1.0" encoding="utf-8"?>
+<p:notes xmlns:a="http://schemas.openxmlformats.org/drawingml/2006/main" xmlns:r="http://schemas.openxmlformats.org/officeDocument/2006/relationships" xmlns:p="http://schemas.openxmlformats.org/presentationml/2006/main">
+  <p:cSld>
+    <p:spTree>
+      <p:nvGrpSpPr>
+        <p:cNvPr id="1" name=""/>
+        <p:cNvGrpSpPr/>
+        <p:nvPr/>
+      </p:nvGrpSpPr>
+      <p:grpSpPr/>
+      <p:sp>
+        <p:nvSpPr>
+          <p:cNvPr id="2" name="幻灯片图像占位符 1"/>
+          <p:cNvSpPr/>
+          <p:nvPr>
+            <p:ph type="sldImg" idx="2"/>
+          </p:nvPr>
+        </p:nvSpPr>
+        <p:spPr/>
+      </p:sp>
+      <p:sp>
+        <p:nvSpPr>
+          <p:cNvPr id="3" name="文本占位符 2"/>
+          <p:cNvSpPr/>
+          <p:nvPr>
+            <p:ph type="body" idx="3"/>
+          </p:nvPr>
+        </p:nvSpPr>
+        <p:spPr/>
+        <p:txBody>
+          <a:bodyPr/>
+          <a:p>
+            <a:endParaRPr lang="en-US" altLang="zh-CN">
+              <a:sym typeface="+mn-ea"/>
+            </a:endParaRPr>
+          </a:p>
+          <a:p>
+            <a:endParaRPr lang="en-US" altLang="zh-CN">
+              <a:sym typeface="+mn-ea"/>
+            </a:endParaRPr>
+          </a:p>
           <a:p>
             <a:endParaRPr lang="zh-CN" altLang="en-US"/>
           </a:p>
@@ -8048,7 +8103,15 @@
                             <a:srgbClr val="00B050"/>
                           </a:solidFill>
                         </a:rPr>
-                        <a:t>71</a:t>
+                        <a:t>7</a:t>
+                      </a:r>
+                      <a:r>
+                        <a:rPr lang="en-US">
+                          <a:solidFill>
+                            <a:srgbClr val="00B050"/>
+                          </a:solidFill>
+                        </a:rPr>
+                        <a:t>1</a:t>
                       </a:r>
                       <a:endParaRPr lang="en-US">
                         <a:solidFill>
@@ -8528,7 +8591,7 @@
                         <a:buNone/>
                       </a:pPr>
                       <a:r>
-                        <a:rPr lang="zh-CN" altLang="en-US">
+                        <a:rPr>
                           <a:solidFill>
                             <a:srgbClr val="00B050"/>
                           </a:solidFill>
@@ -8536,14 +8599,14 @@
                         <a:t>67.7</a:t>
                       </a:r>
                       <a:r>
-                        <a:rPr lang="en-US" altLang="zh-CN">
+                        <a:rPr lang="en-US">
                           <a:solidFill>
                             <a:srgbClr val="00B050"/>
                           </a:solidFill>
                         </a:rPr>
                         <a:t>36</a:t>
                       </a:r>
-                      <a:endParaRPr lang="en-US" altLang="zh-CN">
+                      <a:endParaRPr lang="en-US">
                         <a:solidFill>
                           <a:srgbClr val="00B050"/>
                         </a:solidFill>
@@ -8560,27 +8623,19 @@
                         <a:buNone/>
                       </a:pPr>
                       <a:r>
-                        <a:rPr lang="zh-CN" altLang="en-US" sz="1800">
+                        <a:rPr sz="1800">
                           <a:solidFill>
                             <a:srgbClr val="00B050"/>
                           </a:solidFill>
                           <a:sym typeface="+mn-ea"/>
                         </a:rPr>
-                        <a:t>88.</a:t>
-                      </a:r>
-                      <a:r>
-                        <a:rPr lang="en-US" sz="1800">
-                          <a:solidFill>
-                            <a:srgbClr val="00B050"/>
-                          </a:solidFill>
-                          <a:sym typeface="+mn-ea"/>
-                        </a:rPr>
-                        <a:t>1</a:t>
-                      </a:r>
-                      <a:endParaRPr lang="en-US">
+                        <a:t>88.1</a:t>
+                      </a:r>
+                      <a:endParaRPr sz="1800">
                         <a:solidFill>
                           <a:srgbClr val="00B050"/>
                         </a:solidFill>
+                        <a:sym typeface="+mn-ea"/>
                       </a:endParaRPr>
                     </a:p>
                   </a:txBody>
@@ -10051,9 +10106,45 @@
           <a:p>
             <a:pPr lvl="1"/>
             <a:r>
+              <a:rPr lang="zh-CN" altLang="en-US">
+                <a:sym typeface="+mn-ea"/>
+              </a:rPr>
+              <a:t>动态网络</a:t>
+            </a:r>
+            <a:r>
               <a:rPr lang="en-US" altLang="zh-CN">
                 <a:sym typeface="+mn-ea"/>
               </a:rPr>
+              <a:t>builde engine</a:t>
+            </a:r>
+            <a:r>
+              <a:rPr lang="zh-CN" altLang="en-US">
+                <a:sym typeface="+mn-ea"/>
+              </a:rPr>
+              <a:t>中profile </a:t>
+            </a:r>
+            <a:r>
+              <a:rPr lang="en-US" altLang="zh-CN">
+                <a:sym typeface="+mn-ea"/>
+              </a:rPr>
+              <a:t>shape</a:t>
+            </a:r>
+            <a:r>
+              <a:rPr lang="zh-CN" altLang="en-US">
+                <a:sym typeface="+mn-ea"/>
+              </a:rPr>
+              <a:t>的影响</a:t>
+            </a:r>
+            <a:endParaRPr lang="zh-CN" altLang="en-US">
+              <a:sym typeface="+mn-ea"/>
+            </a:endParaRPr>
+          </a:p>
+          <a:p>
+            <a:pPr lvl="1"/>
+            <a:r>
+              <a:rPr lang="en-US" altLang="zh-CN">
+                <a:sym typeface="+mn-ea"/>
+              </a:rPr>
               <a:t>nsight</a:t>
             </a:r>
             <a:r>
@@ -10062,6 +10153,14 @@
               </a:rPr>
               <a:t>工具使用</a:t>
             </a:r>
+            <a:endParaRPr lang="zh-CN" altLang="en-US">
+              <a:sym typeface="+mn-ea"/>
+            </a:endParaRPr>
+          </a:p>
+          <a:p>
+            <a:pPr marL="457200" lvl="1" indent="0">
+              <a:buNone/>
+            </a:pPr>
             <a:endParaRPr lang="zh-CN" altLang="en-US">
               <a:sym typeface="+mn-ea"/>
             </a:endParaRPr>
@@ -10670,6 +10769,878 @@
         </p:nvSpPr>
         <p:spPr/>
         <p:txBody>
+          <a:bodyPr>
+            <a:normAutofit/>
+          </a:bodyPr>
+          <a:p>
+            <a:r>
+              <a:rPr lang="zh-CN" altLang="en-US" sz="2400">
+                <a:sym typeface="+mn-ea"/>
+              </a:rPr>
+              <a:t>动态网络</a:t>
+            </a:r>
+            <a:r>
+              <a:rPr lang="en-US" altLang="zh-CN" sz="2400">
+                <a:sym typeface="+mn-ea"/>
+              </a:rPr>
+              <a:t>builde engine</a:t>
+            </a:r>
+            <a:r>
+              <a:rPr lang="zh-CN" altLang="en-US" sz="2400">
+                <a:sym typeface="+mn-ea"/>
+              </a:rPr>
+              <a:t>中</a:t>
+            </a:r>
+            <a:r>
+              <a:rPr lang="zh-CN" altLang="en-US" sz="2400">
+                <a:sym typeface="+mn-ea"/>
+              </a:rPr>
+              <a:t>profile </a:t>
+            </a:r>
+            <a:r>
+              <a:rPr lang="en-US" altLang="zh-CN" sz="2400">
+                <a:sym typeface="+mn-ea"/>
+              </a:rPr>
+              <a:t>shape</a:t>
+            </a:r>
+            <a:r>
+              <a:rPr lang="zh-CN" altLang="en-US" sz="2400">
+                <a:sym typeface="+mn-ea"/>
+              </a:rPr>
+              <a:t>的影响</a:t>
+            </a:r>
+            <a:endParaRPr lang="zh-CN" altLang="en-US" sz="2400">
+              <a:sym typeface="+mn-ea"/>
+            </a:endParaRPr>
+          </a:p>
+        </p:txBody>
+      </p:sp>
+      <p:graphicFrame>
+        <p:nvGraphicFramePr>
+          <p:cNvPr id="4" name="内容占位符 3"/>
+          <p:cNvGraphicFramePr/>
+          <p:nvPr>
+            <p:ph idx="1"/>
+          </p:nvPr>
+        </p:nvGraphicFramePr>
+        <p:xfrm>
+          <a:off x="1232535" y="3705860"/>
+          <a:ext cx="7166610" cy="2122170"/>
+        </p:xfrm>
+        <a:graphic>
+          <a:graphicData uri="http://schemas.openxmlformats.org/drawingml/2006/table">
+            <a:tbl>
+              <a:tblPr firstRow="1" bandRow="1">
+                <a:tableStyleId>{5C22544A-7EE6-4342-B048-85BDC9FD1C3A}</a:tableStyleId>
+              </a:tblPr>
+              <a:tblGrid>
+                <a:gridCol w="1102360"/>
+                <a:gridCol w="2022475"/>
+                <a:gridCol w="2021205"/>
+                <a:gridCol w="2020570"/>
+              </a:tblGrid>
+              <a:tr h="916940">
+                <a:tc>
+                  <a:txBody>
+                    <a:bodyPr/>
+                    <a:p>
+                      <a:pPr algn="l">
+                        <a:buNone/>
+                      </a:pPr>
+                      <a:r>
+                        <a:rPr lang="en-US" altLang="zh-CN"/>
+                        <a:t>batch</a:t>
+                      </a:r>
+                      <a:endParaRPr lang="en-US" altLang="zh-CN"/>
+                    </a:p>
+                  </a:txBody>
+                  <a:tcPr/>
+                </a:tc>
+                <a:tc>
+                  <a:txBody>
+                    <a:bodyPr/>
+                    <a:p>
+                      <a:pPr algn="l">
+                        <a:buNone/>
+                      </a:pPr>
+                      <a:r>
+                        <a:rPr lang="en-US" altLang="zh-CN" sz="1800">
+                          <a:sym typeface="+mn-ea"/>
+                        </a:rPr>
+                        <a:t>Plugin INT8</a:t>
+                      </a:r>
+                      <a:endParaRPr lang="en-US" altLang="zh-CN" sz="1800">
+                        <a:sym typeface="+mn-ea"/>
+                      </a:endParaRPr>
+                    </a:p>
+                    <a:p>
+                      <a:pPr algn="l">
+                        <a:buNone/>
+                      </a:pPr>
+                      <a:r>
+                        <a:rPr lang="en-US" altLang="zh-CN" sz="1800">
+                          <a:sym typeface="+mn-ea"/>
+                        </a:rPr>
+                        <a:t>opt shape</a:t>
+                      </a:r>
+                      <a:r>
+                        <a:rPr lang="zh-CN" altLang="en-US" sz="1800">
+                          <a:sym typeface="+mn-ea"/>
+                        </a:rPr>
+                        <a:t>：</a:t>
+                      </a:r>
+                      <a:r>
+                        <a:rPr lang="en-US" altLang="zh-CN" sz="1800">
+                          <a:sym typeface="+mn-ea"/>
+                        </a:rPr>
+                        <a:t> </a:t>
+                      </a:r>
+                      <a:r>
+                        <a:rPr lang="en-US" altLang="zh-CN" sz="1800">
+                          <a:sym typeface="+mn-ea"/>
+                        </a:rPr>
+                        <a:t>[4,3,256,256]</a:t>
+                      </a:r>
+                      <a:endParaRPr lang="en-US" altLang="zh-CN"/>
+                    </a:p>
+                  </a:txBody>
+                  <a:tcPr/>
+                </a:tc>
+                <a:tc>
+                  <a:txBody>
+                    <a:bodyPr/>
+                    <a:p>
+                      <a:pPr algn="l">
+                        <a:buNone/>
+                      </a:pPr>
+                      <a:r>
+                        <a:rPr lang="en-US" altLang="zh-CN" sz="1800">
+                          <a:sym typeface="+mn-ea"/>
+                        </a:rPr>
+                        <a:t>Plugin INT8</a:t>
+                      </a:r>
+                      <a:endParaRPr lang="en-US" altLang="zh-CN" sz="1800">
+                        <a:sym typeface="+mn-ea"/>
+                      </a:endParaRPr>
+                    </a:p>
+                    <a:p>
+                      <a:pPr algn="l">
+                        <a:buNone/>
+                      </a:pPr>
+                      <a:r>
+                        <a:rPr lang="en-US" altLang="zh-CN" sz="1800">
+                          <a:sym typeface="+mn-ea"/>
+                        </a:rPr>
+                        <a:t>opt shape </a:t>
+                      </a:r>
+                      <a:r>
+                        <a:rPr lang="zh-CN" altLang="en-US" sz="1800">
+                          <a:sym typeface="+mn-ea"/>
+                        </a:rPr>
+                        <a:t>：</a:t>
+                      </a:r>
+                      <a:r>
+                        <a:rPr lang="en-US" altLang="zh-CN" sz="1800">
+                          <a:sym typeface="+mn-ea"/>
+                        </a:rPr>
+                        <a:t>[1,3,256,256]</a:t>
+                      </a:r>
+                      <a:endParaRPr lang="en-US" altLang="zh-CN"/>
+                    </a:p>
+                  </a:txBody>
+                  <a:tcPr/>
+                </a:tc>
+                <a:tc>
+                  <a:txBody>
+                    <a:bodyPr/>
+                    <a:p>
+                      <a:pPr algn="l">
+                        <a:buNone/>
+                      </a:pPr>
+                      <a:r>
+                        <a:rPr lang="en-US" altLang="zh-CN" sz="1800">
+                          <a:sym typeface="+mn-ea"/>
+                        </a:rPr>
+                        <a:t>Plugin INT8</a:t>
+                      </a:r>
+                      <a:endParaRPr lang="en-US" altLang="zh-CN" sz="1800">
+                        <a:sym typeface="+mn-ea"/>
+                      </a:endParaRPr>
+                    </a:p>
+                    <a:p>
+                      <a:pPr algn="l">
+                        <a:buNone/>
+                      </a:pPr>
+                      <a:r>
+                        <a:rPr lang="en-US" altLang="zh-CN" sz="1800">
+                          <a:sym typeface="+mn-ea"/>
+                        </a:rPr>
+                        <a:t>opt shape </a:t>
+                      </a:r>
+                      <a:r>
+                        <a:rPr lang="zh-CN" altLang="en-US" sz="1800">
+                          <a:sym typeface="+mn-ea"/>
+                        </a:rPr>
+                        <a:t>：</a:t>
+                      </a:r>
+                      <a:r>
+                        <a:rPr lang="en-US" altLang="zh-CN" sz="1800">
+                          <a:sym typeface="+mn-ea"/>
+                        </a:rPr>
+                        <a:t>[8,3,256,256]</a:t>
+                      </a:r>
+                      <a:endParaRPr lang="en-US" altLang="zh-CN"/>
+                    </a:p>
+                  </a:txBody>
+                  <a:tcPr/>
+                </a:tc>
+              </a:tr>
+              <a:tr h="401320">
+                <a:tc>
+                  <a:txBody>
+                    <a:bodyPr/>
+                    <a:p>
+                      <a:pPr>
+                        <a:buNone/>
+                      </a:pPr>
+                      <a:r>
+                        <a:rPr lang="en-US" altLang="zh-CN"/>
+                        <a:t>1</a:t>
+                      </a:r>
+                      <a:endParaRPr lang="en-US" altLang="zh-CN"/>
+                    </a:p>
+                  </a:txBody>
+                  <a:tcPr/>
+                </a:tc>
+                <a:tc>
+                  <a:txBody>
+                    <a:bodyPr/>
+                    <a:p>
+                      <a:pPr>
+                        <a:buNone/>
+                      </a:pPr>
+                      <a:r>
+                        <a:rPr>
+                          <a:solidFill>
+                            <a:schemeClr val="tx1"/>
+                          </a:solidFill>
+                        </a:rPr>
+                        <a:t>0.66</a:t>
+                      </a:r>
+                      <a:r>
+                        <a:rPr lang="en-US">
+                          <a:solidFill>
+                            <a:schemeClr val="tx1"/>
+                          </a:solidFill>
+                        </a:rPr>
+                        <a:t>0</a:t>
+                      </a:r>
+                      <a:endParaRPr lang="en-US">
+                        <a:solidFill>
+                          <a:schemeClr val="tx1"/>
+                        </a:solidFill>
+                      </a:endParaRPr>
+                    </a:p>
+                  </a:txBody>
+                  <a:tcPr/>
+                </a:tc>
+                <a:tc>
+                  <a:txBody>
+                    <a:bodyPr/>
+                    <a:p>
+                      <a:pPr>
+                        <a:buNone/>
+                      </a:pPr>
+                      <a:r>
+                        <a:rPr lang="en-US" altLang="en-US" b="1">
+                          <a:solidFill>
+                            <a:srgbClr val="00B050"/>
+                          </a:solidFill>
+                        </a:rPr>
+                        <a:t>0.586</a:t>
+                      </a:r>
+                      <a:endParaRPr lang="en-US" altLang="en-US" b="1">
+                        <a:solidFill>
+                          <a:srgbClr val="00B050"/>
+                        </a:solidFill>
+                      </a:endParaRPr>
+                    </a:p>
+                  </a:txBody>
+                  <a:tcPr/>
+                </a:tc>
+                <a:tc>
+                  <a:txBody>
+                    <a:bodyPr/>
+                    <a:p>
+                      <a:pPr>
+                        <a:buNone/>
+                      </a:pPr>
+                      <a:r>
+                        <a:rPr lang="en-US" altLang="en-US">
+                          <a:solidFill>
+                            <a:schemeClr val="tx1"/>
+                          </a:solidFill>
+                        </a:rPr>
+                        <a:t>0.741</a:t>
+                      </a:r>
+                      <a:endParaRPr lang="en-US" altLang="en-US">
+                        <a:solidFill>
+                          <a:schemeClr val="tx1"/>
+                        </a:solidFill>
+                      </a:endParaRPr>
+                    </a:p>
+                  </a:txBody>
+                  <a:tcPr/>
+                </a:tc>
+              </a:tr>
+              <a:tr h="401955">
+                <a:tc>
+                  <a:txBody>
+                    <a:bodyPr/>
+                    <a:p>
+                      <a:pPr>
+                        <a:buNone/>
+                      </a:pPr>
+                      <a:r>
+                        <a:rPr lang="en-US" altLang="zh-CN"/>
+                        <a:t>4</a:t>
+                      </a:r>
+                      <a:endParaRPr lang="en-US" altLang="zh-CN"/>
+                    </a:p>
+                  </a:txBody>
+                  <a:tcPr/>
+                </a:tc>
+                <a:tc>
+                  <a:txBody>
+                    <a:bodyPr/>
+                    <a:p>
+                      <a:pPr>
+                        <a:buNone/>
+                      </a:pPr>
+                      <a:r>
+                        <a:rPr lang="zh-CN" altLang="en-US" b="1">
+                          <a:solidFill>
+                            <a:srgbClr val="00B050"/>
+                          </a:solidFill>
+                        </a:rPr>
+                        <a:t>0.9</a:t>
+                      </a:r>
+                      <a:r>
+                        <a:rPr lang="en-US" b="1">
+                          <a:solidFill>
+                            <a:srgbClr val="00B050"/>
+                          </a:solidFill>
+                        </a:rPr>
+                        <a:t>61</a:t>
+                      </a:r>
+                      <a:endParaRPr lang="en-US" b="1">
+                        <a:solidFill>
+                          <a:srgbClr val="00B050"/>
+                        </a:solidFill>
+                      </a:endParaRPr>
+                    </a:p>
+                  </a:txBody>
+                  <a:tcPr/>
+                </a:tc>
+                <a:tc>
+                  <a:txBody>
+                    <a:bodyPr/>
+                    <a:p>
+                      <a:pPr>
+                        <a:buNone/>
+                      </a:pPr>
+                      <a:r>
+                        <a:rPr lang="en-US" altLang="en-US">
+                          <a:solidFill>
+                            <a:schemeClr val="tx1"/>
+                          </a:solidFill>
+                        </a:rPr>
+                        <a:t>1.043</a:t>
+                      </a:r>
+                      <a:endParaRPr lang="en-US" altLang="en-US">
+                        <a:solidFill>
+                          <a:schemeClr val="tx1"/>
+                        </a:solidFill>
+                      </a:endParaRPr>
+                    </a:p>
+                  </a:txBody>
+                  <a:tcPr/>
+                </a:tc>
+                <a:tc>
+                  <a:txBody>
+                    <a:bodyPr/>
+                    <a:p>
+                      <a:pPr>
+                        <a:buNone/>
+                      </a:pPr>
+                      <a:r>
+                        <a:rPr lang="en-US" altLang="en-US">
+                          <a:solidFill>
+                            <a:schemeClr val="tx1"/>
+                          </a:solidFill>
+                        </a:rPr>
+                        <a:t>1.026</a:t>
+                      </a:r>
+                      <a:endParaRPr lang="en-US" altLang="en-US">
+                        <a:solidFill>
+                          <a:schemeClr val="tx1"/>
+                        </a:solidFill>
+                      </a:endParaRPr>
+                    </a:p>
+                  </a:txBody>
+                  <a:tcPr/>
+                </a:tc>
+              </a:tr>
+              <a:tr h="401955">
+                <a:tc>
+                  <a:txBody>
+                    <a:bodyPr/>
+                    <a:p>
+                      <a:pPr>
+                        <a:buNone/>
+                      </a:pPr>
+                      <a:r>
+                        <a:rPr lang="en-US" altLang="zh-CN"/>
+                        <a:t>8</a:t>
+                      </a:r>
+                      <a:endParaRPr lang="en-US" altLang="zh-CN"/>
+                    </a:p>
+                  </a:txBody>
+                  <a:tcPr/>
+                </a:tc>
+                <a:tc>
+                  <a:txBody>
+                    <a:bodyPr/>
+                    <a:p>
+                      <a:pPr>
+                        <a:buNone/>
+                      </a:pPr>
+                      <a:r>
+                        <a:rPr>
+                          <a:solidFill>
+                            <a:schemeClr val="tx1"/>
+                          </a:solidFill>
+                        </a:rPr>
+                        <a:t>1.</a:t>
+                      </a:r>
+                      <a:r>
+                        <a:rPr lang="en-US">
+                          <a:solidFill>
+                            <a:schemeClr val="tx1"/>
+                          </a:solidFill>
+                        </a:rPr>
+                        <a:t>770</a:t>
+                      </a:r>
+                      <a:endParaRPr lang="en-US">
+                        <a:solidFill>
+                          <a:schemeClr val="tx1"/>
+                        </a:solidFill>
+                      </a:endParaRPr>
+                    </a:p>
+                  </a:txBody>
+                  <a:tcPr/>
+                </a:tc>
+                <a:tc>
+                  <a:txBody>
+                    <a:bodyPr/>
+                    <a:p>
+                      <a:pPr>
+                        <a:buNone/>
+                      </a:pPr>
+                      <a:r>
+                        <a:rPr lang="en-US" altLang="en-US">
+                          <a:solidFill>
+                            <a:schemeClr val="tx1"/>
+                          </a:solidFill>
+                        </a:rPr>
+                        <a:t>1.906</a:t>
+                      </a:r>
+                      <a:endParaRPr lang="en-US" altLang="en-US">
+                        <a:solidFill>
+                          <a:schemeClr val="tx1"/>
+                        </a:solidFill>
+                      </a:endParaRPr>
+                    </a:p>
+                  </a:txBody>
+                  <a:tcPr/>
+                </a:tc>
+                <a:tc>
+                  <a:txBody>
+                    <a:bodyPr/>
+                    <a:p>
+                      <a:pPr>
+                        <a:buNone/>
+                      </a:pPr>
+                      <a:r>
+                        <a:rPr lang="en-US" altLang="en-US" b="1">
+                          <a:solidFill>
+                            <a:srgbClr val="00B050"/>
+                          </a:solidFill>
+                        </a:rPr>
+                        <a:t>1.696</a:t>
+                      </a:r>
+                      <a:endParaRPr lang="en-US" altLang="en-US" b="1">
+                        <a:solidFill>
+                          <a:srgbClr val="00B050"/>
+                        </a:solidFill>
+                      </a:endParaRPr>
+                    </a:p>
+                  </a:txBody>
+                  <a:tcPr/>
+                </a:tc>
+              </a:tr>
+            </a:tbl>
+          </a:graphicData>
+        </a:graphic>
+      </p:graphicFrame>
+      <p:sp>
+        <p:nvSpPr>
+          <p:cNvPr id="8" name="文本框 7"/>
+          <p:cNvSpPr txBox="1"/>
+          <p:nvPr/>
+        </p:nvSpPr>
+        <p:spPr>
+          <a:xfrm>
+            <a:off x="3691890" y="6011545"/>
+            <a:ext cx="1624330" cy="306705"/>
+          </a:xfrm>
+          <a:prstGeom prst="rect">
+            <a:avLst/>
+          </a:prstGeom>
+          <a:noFill/>
+        </p:spPr>
+        <p:txBody>
+          <a:bodyPr wrap="none" rtlCol="0">
+            <a:spAutoFit/>
+          </a:bodyPr>
+          <a:p>
+            <a:r>
+              <a:rPr lang="en-US" altLang="zh-CN" sz="1400"/>
+              <a:t>latency</a:t>
+            </a:r>
+            <a:r>
+              <a:rPr lang="zh-CN" altLang="en-US" sz="1400"/>
+              <a:t>结果（</a:t>
+            </a:r>
+            <a:r>
+              <a:rPr lang="en-US" altLang="zh-CN" sz="1400"/>
+              <a:t>ms</a:t>
+            </a:r>
+            <a:r>
+              <a:rPr lang="zh-CN" altLang="en-US" sz="1400"/>
+              <a:t>）</a:t>
+            </a:r>
+            <a:endParaRPr lang="zh-CN" altLang="en-US" sz="1400"/>
+          </a:p>
+        </p:txBody>
+      </p:sp>
+      <p:sp>
+        <p:nvSpPr>
+          <p:cNvPr id="22" name="内容占位符 2"/>
+          <p:cNvSpPr>
+            <a:spLocks noGrp="1"/>
+          </p:cNvSpPr>
+          <p:nvPr/>
+        </p:nvSpPr>
+        <p:spPr>
+          <a:xfrm>
+            <a:off x="727710" y="1691005"/>
+            <a:ext cx="8919845" cy="1638300"/>
+          </a:xfrm>
+          <a:prstGeom prst="rect">
+            <a:avLst/>
+          </a:prstGeom>
+        </p:spPr>
+        <p:txBody>
+          <a:bodyPr vert="horz" lIns="91440" tIns="45720" rIns="91440" bIns="45720" rtlCol="0">
+            <a:normAutofit/>
+          </a:bodyPr>
+          <a:lstStyle>
+            <a:lvl1pPr marL="228600" indent="-228600" algn="l" defTabSz="914400" rtl="0" eaLnBrk="1" latinLnBrk="0" hangingPunct="1">
+              <a:lnSpc>
+                <a:spcPct val="90000"/>
+              </a:lnSpc>
+              <a:spcBef>
+                <a:spcPts val="1000"/>
+              </a:spcBef>
+              <a:buFont typeface="Arial" panose="020B0604020202020204" pitchFamily="34" charset="0"/>
+              <a:buChar char="•"/>
+              <a:defRPr sz="2800" kern="1200">
+                <a:solidFill>
+                  <a:schemeClr val="tx1"/>
+                </a:solidFill>
+                <a:latin typeface="+mn-lt"/>
+                <a:ea typeface="+mn-ea"/>
+                <a:cs typeface="+mn-cs"/>
+              </a:defRPr>
+            </a:lvl1pPr>
+            <a:lvl2pPr marL="685800" indent="-228600" algn="l" defTabSz="914400" rtl="0" eaLnBrk="1" latinLnBrk="0" hangingPunct="1">
+              <a:lnSpc>
+                <a:spcPct val="90000"/>
+              </a:lnSpc>
+              <a:spcBef>
+                <a:spcPts val="500"/>
+              </a:spcBef>
+              <a:buFont typeface="Arial" panose="020B0604020202020204" pitchFamily="34" charset="0"/>
+              <a:buChar char="•"/>
+              <a:defRPr sz="2400" kern="1200">
+                <a:solidFill>
+                  <a:schemeClr val="tx1"/>
+                </a:solidFill>
+                <a:latin typeface="+mn-lt"/>
+                <a:ea typeface="+mn-ea"/>
+                <a:cs typeface="+mn-cs"/>
+              </a:defRPr>
+            </a:lvl2pPr>
+            <a:lvl3pPr marL="1143000" indent="-228600" algn="l" defTabSz="914400" rtl="0" eaLnBrk="1" latinLnBrk="0" hangingPunct="1">
+              <a:lnSpc>
+                <a:spcPct val="90000"/>
+              </a:lnSpc>
+              <a:spcBef>
+                <a:spcPts val="500"/>
+              </a:spcBef>
+              <a:buFont typeface="Arial" panose="020B0604020202020204" pitchFamily="34" charset="0"/>
+              <a:buChar char="•"/>
+              <a:defRPr sz="2000" kern="1200">
+                <a:solidFill>
+                  <a:schemeClr val="tx1"/>
+                </a:solidFill>
+                <a:latin typeface="+mn-lt"/>
+                <a:ea typeface="+mn-ea"/>
+                <a:cs typeface="+mn-cs"/>
+              </a:defRPr>
+            </a:lvl3pPr>
+            <a:lvl4pPr marL="1600200" indent="-228600" algn="l" defTabSz="914400" rtl="0" eaLnBrk="1" latinLnBrk="0" hangingPunct="1">
+              <a:lnSpc>
+                <a:spcPct val="90000"/>
+              </a:lnSpc>
+              <a:spcBef>
+                <a:spcPts val="500"/>
+              </a:spcBef>
+              <a:buFont typeface="Arial" panose="020B0604020202020204" pitchFamily="34" charset="0"/>
+              <a:buChar char="•"/>
+              <a:defRPr sz="1800" kern="1200">
+                <a:solidFill>
+                  <a:schemeClr val="tx1"/>
+                </a:solidFill>
+                <a:latin typeface="+mn-lt"/>
+                <a:ea typeface="+mn-ea"/>
+                <a:cs typeface="+mn-cs"/>
+              </a:defRPr>
+            </a:lvl4pPr>
+            <a:lvl5pPr marL="2057400" indent="-228600" algn="l" defTabSz="914400" rtl="0" eaLnBrk="1" latinLnBrk="0" hangingPunct="1">
+              <a:lnSpc>
+                <a:spcPct val="90000"/>
+              </a:lnSpc>
+              <a:spcBef>
+                <a:spcPts val="500"/>
+              </a:spcBef>
+              <a:buFont typeface="Arial" panose="020B0604020202020204" pitchFamily="34" charset="0"/>
+              <a:buChar char="•"/>
+              <a:defRPr sz="1800" kern="1200">
+                <a:solidFill>
+                  <a:schemeClr val="tx1"/>
+                </a:solidFill>
+                <a:latin typeface="+mn-lt"/>
+                <a:ea typeface="+mn-ea"/>
+                <a:cs typeface="+mn-cs"/>
+              </a:defRPr>
+            </a:lvl5pPr>
+            <a:lvl6pPr marL="2514600" indent="-228600" algn="l" defTabSz="914400" rtl="0" eaLnBrk="1" latinLnBrk="0" hangingPunct="1">
+              <a:lnSpc>
+                <a:spcPct val="90000"/>
+              </a:lnSpc>
+              <a:spcBef>
+                <a:spcPts val="500"/>
+              </a:spcBef>
+              <a:buFont typeface="Arial" panose="020B0604020202020204" pitchFamily="34" charset="0"/>
+              <a:buChar char="•"/>
+              <a:defRPr sz="1800" kern="1200">
+                <a:solidFill>
+                  <a:schemeClr val="tx1"/>
+                </a:solidFill>
+                <a:latin typeface="+mn-lt"/>
+                <a:ea typeface="+mn-ea"/>
+                <a:cs typeface="+mn-cs"/>
+              </a:defRPr>
+            </a:lvl6pPr>
+            <a:lvl7pPr marL="2971800" indent="-228600" algn="l" defTabSz="914400" rtl="0" eaLnBrk="1" latinLnBrk="0" hangingPunct="1">
+              <a:lnSpc>
+                <a:spcPct val="90000"/>
+              </a:lnSpc>
+              <a:spcBef>
+                <a:spcPts val="500"/>
+              </a:spcBef>
+              <a:buFont typeface="Arial" panose="020B0604020202020204" pitchFamily="34" charset="0"/>
+              <a:buChar char="•"/>
+              <a:defRPr sz="1800" kern="1200">
+                <a:solidFill>
+                  <a:schemeClr val="tx1"/>
+                </a:solidFill>
+                <a:latin typeface="+mn-lt"/>
+                <a:ea typeface="+mn-ea"/>
+                <a:cs typeface="+mn-cs"/>
+              </a:defRPr>
+            </a:lvl7pPr>
+            <a:lvl8pPr marL="3429000" indent="-228600" algn="l" defTabSz="914400" rtl="0" eaLnBrk="1" latinLnBrk="0" hangingPunct="1">
+              <a:lnSpc>
+                <a:spcPct val="90000"/>
+              </a:lnSpc>
+              <a:spcBef>
+                <a:spcPts val="500"/>
+              </a:spcBef>
+              <a:buFont typeface="Arial" panose="020B0604020202020204" pitchFamily="34" charset="0"/>
+              <a:buChar char="•"/>
+              <a:defRPr sz="1800" kern="1200">
+                <a:solidFill>
+                  <a:schemeClr val="tx1"/>
+                </a:solidFill>
+                <a:latin typeface="+mn-lt"/>
+                <a:ea typeface="+mn-ea"/>
+                <a:cs typeface="+mn-cs"/>
+              </a:defRPr>
+            </a:lvl8pPr>
+            <a:lvl9pPr marL="3886200" indent="-228600" algn="l" defTabSz="914400" rtl="0" eaLnBrk="1" latinLnBrk="0" hangingPunct="1">
+              <a:lnSpc>
+                <a:spcPct val="90000"/>
+              </a:lnSpc>
+              <a:spcBef>
+                <a:spcPts val="500"/>
+              </a:spcBef>
+              <a:buFont typeface="Arial" panose="020B0604020202020204" pitchFamily="34" charset="0"/>
+              <a:buChar char="•"/>
+              <a:defRPr sz="1800" kern="1200">
+                <a:solidFill>
+                  <a:schemeClr val="tx1"/>
+                </a:solidFill>
+                <a:latin typeface="+mn-lt"/>
+                <a:ea typeface="+mn-ea"/>
+                <a:cs typeface="+mn-cs"/>
+              </a:defRPr>
+            </a:lvl9pPr>
+          </a:lstStyle>
+          <a:p>
+            <a:r>
+              <a:rPr lang="zh-CN" altLang="en-US" sz="1600">
+                <a:sym typeface="+mn-ea"/>
+              </a:rPr>
+              <a:t>本项目中convert_to_trt.py动态网络生成</a:t>
+            </a:r>
+            <a:r>
+              <a:rPr lang="en-US" altLang="zh-CN" sz="1600">
+                <a:sym typeface="+mn-ea"/>
+              </a:rPr>
+              <a:t>trt</a:t>
+            </a:r>
+            <a:r>
+              <a:rPr lang="zh-CN" altLang="en-US" sz="1600">
+                <a:sym typeface="+mn-ea"/>
+              </a:rPr>
+              <a:t>时默认</a:t>
+            </a:r>
+            <a:r>
+              <a:rPr lang="en-US" altLang="zh-CN" sz="1600">
+                <a:sym typeface="+mn-ea"/>
+              </a:rPr>
+              <a:t>opt shape</a:t>
+            </a:r>
+            <a:r>
+              <a:rPr lang="zh-CN" altLang="en-US" sz="1600">
+                <a:sym typeface="+mn-ea"/>
+              </a:rPr>
+              <a:t>为</a:t>
+            </a:r>
+            <a:r>
+              <a:rPr lang="en-US" altLang="zh-CN" sz="1600">
+                <a:sym typeface="+mn-ea"/>
+              </a:rPr>
+              <a:t>[4,3,256,256]</a:t>
+            </a:r>
+            <a:r>
+              <a:rPr lang="zh-CN" altLang="en-US" sz="1600">
+                <a:sym typeface="+mn-ea"/>
+              </a:rPr>
+              <a:t>，但在实际实验发现不同</a:t>
+            </a:r>
+            <a:r>
+              <a:rPr lang="en-US" altLang="zh-CN" sz="1600">
+                <a:sym typeface="+mn-ea"/>
+              </a:rPr>
+              <a:t>opt shape</a:t>
+            </a:r>
+            <a:r>
+              <a:rPr lang="zh-CN" altLang="en-US" sz="1600">
+                <a:sym typeface="+mn-ea"/>
+              </a:rPr>
+              <a:t>，会影响模型最终加速比。</a:t>
+            </a:r>
+            <a:endParaRPr lang="zh-CN" altLang="en-US" sz="1600">
+              <a:sym typeface="+mn-ea"/>
+            </a:endParaRPr>
+          </a:p>
+          <a:p>
+            <a:r>
+              <a:rPr lang="zh-CN" altLang="en-US" sz="1600">
+                <a:sym typeface="+mn-ea"/>
+              </a:rPr>
+              <a:t>所以在实际中若</a:t>
+            </a:r>
+            <a:r>
+              <a:rPr lang="en-US" altLang="zh-CN" sz="1600">
+                <a:sym typeface="+mn-ea"/>
+              </a:rPr>
+              <a:t>shape</a:t>
+            </a:r>
+            <a:r>
+              <a:rPr lang="zh-CN" altLang="en-US" sz="1600">
+                <a:sym typeface="+mn-ea"/>
+              </a:rPr>
+              <a:t>范围较大可使用 https://github.com/NVIDIA/trt-samples-for-hackathon-cn/blob/master/cookbook/09-Advance/MultiOptimizationProfile 中MultiProfile技术来获得最佳加速比。</a:t>
+            </a:r>
+            <a:endParaRPr lang="zh-CN" altLang="en-US" sz="1600">
+              <a:sym typeface="+mn-ea"/>
+            </a:endParaRPr>
+          </a:p>
+          <a:p>
+            <a:endParaRPr lang="en-US" altLang="zh-CN" sz="1600">
+              <a:sym typeface="+mn-ea"/>
+            </a:endParaRPr>
+          </a:p>
+          <a:p>
+            <a:endParaRPr lang="zh-CN" altLang="en-US"/>
+          </a:p>
+        </p:txBody>
+      </p:sp>
+    </p:spTree>
+  </p:cSld>
+  <p:clrMapOvr>
+    <a:masterClrMapping/>
+  </p:clrMapOvr>
+</p:sld>
+</file>
+
+<file path=ppt/slides/slide22.xml><?xml version="1.0" encoding="utf-8"?>
+<p:sld xmlns:a="http://schemas.openxmlformats.org/drawingml/2006/main" xmlns:r="http://schemas.openxmlformats.org/officeDocument/2006/relationships" xmlns:p="http://schemas.openxmlformats.org/presentationml/2006/main">
+  <p:cSld>
+    <p:spTree>
+      <p:nvGrpSpPr>
+        <p:cNvPr id="1" name=""/>
+        <p:cNvGrpSpPr/>
+        <p:nvPr/>
+      </p:nvGrpSpPr>
+      <p:grpSpPr/>
+      <p:sp>
+        <p:nvSpPr>
+          <p:cNvPr id="2" name="标题 1"/>
+          <p:cNvSpPr>
+            <a:spLocks noGrp="1"/>
+          </p:cNvSpPr>
+          <p:nvPr>
+            <p:ph type="title"/>
+          </p:nvPr>
+        </p:nvSpPr>
+        <p:spPr/>
+        <p:txBody>
           <a:bodyPr/>
           <a:p>
             <a:r>
@@ -10846,7 +11817,7 @@
 </p:sld>
 </file>
 
-<file path=ppt/slides/slide22.xml><?xml version="1.0" encoding="utf-8"?>
+<file path=ppt/slides/slide23.xml><?xml version="1.0" encoding="utf-8"?>
 <p:sld xmlns:a="http://schemas.openxmlformats.org/drawingml/2006/main" xmlns:r="http://schemas.openxmlformats.org/officeDocument/2006/relationships" xmlns:p="http://schemas.openxmlformats.org/presentationml/2006/main">
   <p:cSld>
     <p:spTree>
